--- a/Java Basics/Java Basics 4.pptx
+++ b/Java Basics/Java Basics 4.pptx
@@ -117,6 +117,11 @@
       </a:defRPr>
     </a:lvl9pPr>
   </p:defaultTextStyle>
+  <p:extLst>
+    <p:ext uri="{EFAFB233-063F-42B5-8137-9DF3F51BA10A}">
+      <p15:sldGuideLst xmlns:p15="http://schemas.microsoft.com/office/powerpoint/2012/main"/>
+    </p:ext>
+  </p:extLst>
 </p:presentation>
 </file>
 
@@ -267,7 +272,7 @@
           <a:p>
             <a:fld id="{6E285297-0083-2E47-9814-AC4802F0EA4C}" type="datetimeFigureOut">
               <a:rPr kumimoji="1" lang="zh-CN" altLang="en-US" smtClean="0"/>
-              <a:t>2023/2/14</a:t>
+              <a:t>2023/2/16</a:t>
             </a:fld>
             <a:endParaRPr kumimoji="1" lang="zh-CN" altLang="en-US"/>
           </a:p>
@@ -465,7 +470,7 @@
           <a:p>
             <a:fld id="{6E285297-0083-2E47-9814-AC4802F0EA4C}" type="datetimeFigureOut">
               <a:rPr kumimoji="1" lang="zh-CN" altLang="en-US" smtClean="0"/>
-              <a:t>2023/2/14</a:t>
+              <a:t>2023/2/16</a:t>
             </a:fld>
             <a:endParaRPr kumimoji="1" lang="zh-CN" altLang="en-US"/>
           </a:p>
@@ -673,7 +678,7 @@
           <a:p>
             <a:fld id="{6E285297-0083-2E47-9814-AC4802F0EA4C}" type="datetimeFigureOut">
               <a:rPr kumimoji="1" lang="zh-CN" altLang="en-US" smtClean="0"/>
-              <a:t>2023/2/14</a:t>
+              <a:t>2023/2/16</a:t>
             </a:fld>
             <a:endParaRPr kumimoji="1" lang="zh-CN" altLang="en-US"/>
           </a:p>
@@ -871,7 +876,7 @@
           <a:p>
             <a:fld id="{6E285297-0083-2E47-9814-AC4802F0EA4C}" type="datetimeFigureOut">
               <a:rPr kumimoji="1" lang="zh-CN" altLang="en-US" smtClean="0"/>
-              <a:t>2023/2/14</a:t>
+              <a:t>2023/2/16</a:t>
             </a:fld>
             <a:endParaRPr kumimoji="1" lang="zh-CN" altLang="en-US"/>
           </a:p>
@@ -1146,7 +1151,7 @@
           <a:p>
             <a:fld id="{6E285297-0083-2E47-9814-AC4802F0EA4C}" type="datetimeFigureOut">
               <a:rPr kumimoji="1" lang="zh-CN" altLang="en-US" smtClean="0"/>
-              <a:t>2023/2/14</a:t>
+              <a:t>2023/2/16</a:t>
             </a:fld>
             <a:endParaRPr kumimoji="1" lang="zh-CN" altLang="en-US"/>
           </a:p>
@@ -1411,7 +1416,7 @@
           <a:p>
             <a:fld id="{6E285297-0083-2E47-9814-AC4802F0EA4C}" type="datetimeFigureOut">
               <a:rPr kumimoji="1" lang="zh-CN" altLang="en-US" smtClean="0"/>
-              <a:t>2023/2/14</a:t>
+              <a:t>2023/2/16</a:t>
             </a:fld>
             <a:endParaRPr kumimoji="1" lang="zh-CN" altLang="en-US"/>
           </a:p>
@@ -1823,7 +1828,7 @@
           <a:p>
             <a:fld id="{6E285297-0083-2E47-9814-AC4802F0EA4C}" type="datetimeFigureOut">
               <a:rPr kumimoji="1" lang="zh-CN" altLang="en-US" smtClean="0"/>
-              <a:t>2023/2/14</a:t>
+              <a:t>2023/2/16</a:t>
             </a:fld>
             <a:endParaRPr kumimoji="1" lang="zh-CN" altLang="en-US"/>
           </a:p>
@@ -1964,7 +1969,7 @@
           <a:p>
             <a:fld id="{6E285297-0083-2E47-9814-AC4802F0EA4C}" type="datetimeFigureOut">
               <a:rPr kumimoji="1" lang="zh-CN" altLang="en-US" smtClean="0"/>
-              <a:t>2023/2/14</a:t>
+              <a:t>2023/2/16</a:t>
             </a:fld>
             <a:endParaRPr kumimoji="1" lang="zh-CN" altLang="en-US"/>
           </a:p>
@@ -2077,7 +2082,7 @@
           <a:p>
             <a:fld id="{6E285297-0083-2E47-9814-AC4802F0EA4C}" type="datetimeFigureOut">
               <a:rPr kumimoji="1" lang="zh-CN" altLang="en-US" smtClean="0"/>
-              <a:t>2023/2/14</a:t>
+              <a:t>2023/2/16</a:t>
             </a:fld>
             <a:endParaRPr kumimoji="1" lang="zh-CN" altLang="en-US"/>
           </a:p>
@@ -2388,7 +2393,7 @@
           <a:p>
             <a:fld id="{6E285297-0083-2E47-9814-AC4802F0EA4C}" type="datetimeFigureOut">
               <a:rPr kumimoji="1" lang="zh-CN" altLang="en-US" smtClean="0"/>
-              <a:t>2023/2/14</a:t>
+              <a:t>2023/2/16</a:t>
             </a:fld>
             <a:endParaRPr kumimoji="1" lang="zh-CN" altLang="en-US"/>
           </a:p>
@@ -2676,7 +2681,7 @@
           <a:p>
             <a:fld id="{6E285297-0083-2E47-9814-AC4802F0EA4C}" type="datetimeFigureOut">
               <a:rPr kumimoji="1" lang="zh-CN" altLang="en-US" smtClean="0"/>
-              <a:t>2023/2/14</a:t>
+              <a:t>2023/2/16</a:t>
             </a:fld>
             <a:endParaRPr kumimoji="1" lang="zh-CN" altLang="en-US"/>
           </a:p>
@@ -2917,7 +2922,7 @@
           <a:p>
             <a:fld id="{6E285297-0083-2E47-9814-AC4802F0EA4C}" type="datetimeFigureOut">
               <a:rPr kumimoji="1" lang="zh-CN" altLang="en-US" smtClean="0"/>
-              <a:t>2023/2/14</a:t>
+              <a:t>2023/2/16</a:t>
             </a:fld>
             <a:endParaRPr kumimoji="1" lang="zh-CN" altLang="en-US"/>
           </a:p>
@@ -3916,14 +3921,18 @@
           <a:lstStyle/>
           <a:p>
             <a:r>
+              <a:rPr lang="en" altLang="zh-CN" b="1" i="0" dirty="0">
+                <a:effectLst/>
+                <a:latin typeface="Source Sans Pro" panose="020B0503030403020204" pitchFamily="34" charset="0"/>
+              </a:rPr>
+              <a:t>NO,</a:t>
+            </a:r>
+            <a:r>
               <a:rPr lang="en" altLang="zh-CN" b="0" i="0" dirty="0">
-                <a:solidFill>
-                  <a:srgbClr val="000000"/>
-                </a:solidFill>
                 <a:effectLst/>
-                <a:latin typeface="Nunito" pitchFamily="2" charset="0"/>
-              </a:rPr>
-              <a:t>Static methods are bonded at compile time using static binding. Therefore, we cannot override static methods in Java.</a:t>
+                <a:latin typeface="Source Sans Pro" panose="020B0503030403020204" pitchFamily="34" charset="0"/>
+              </a:rPr>
+              <a:t> we can't override static methods since method overriding relies on dynamic binding at runtime, but static methods are bonded at compile time with static binding. As a result, we are unable to override static methods.</a:t>
             </a:r>
             <a:endParaRPr kumimoji="1" lang="zh-CN" altLang="en-US" dirty="0"/>
           </a:p>
@@ -4010,7 +4019,9 @@
         </p:nvSpPr>
         <p:spPr/>
         <p:txBody>
-          <a:bodyPr/>
+          <a:bodyPr>
+            <a:normAutofit fontScale="92500"/>
+          </a:bodyPr>
           <a:lstStyle/>
           <a:p>
             <a:r>
@@ -4020,6 +4031,64 @@
               </a:rPr>
               <a:t>The static keyword is used to construct methods that will exist regardless of whether or not any instances of the class are generated. Any method that uses the static keyword is referred to as a static method.</a:t>
             </a:r>
+          </a:p>
+          <a:p>
+            <a:pPr algn="l" fontAlgn="base">
+              <a:buFont typeface="Arial" panose="020B0604020202020204" pitchFamily="34" charset="0"/>
+              <a:buChar char="•"/>
+            </a:pPr>
+            <a:r>
+              <a:rPr lang="en" altLang="zh-CN" b="0" i="0" dirty="0">
+                <a:effectLst/>
+                <a:latin typeface="urw-din"/>
+              </a:rPr>
+              <a:t>Every instance of a class has access to the method.</a:t>
+            </a:r>
+          </a:p>
+          <a:p>
+            <a:pPr algn="l" fontAlgn="base">
+              <a:buFont typeface="Arial" panose="020B0604020202020204" pitchFamily="34" charset="0"/>
+              <a:buChar char="•"/>
+            </a:pPr>
+            <a:r>
+              <a:rPr lang="en" altLang="zh-CN" b="0" i="0" dirty="0">
+                <a:effectLst/>
+                <a:latin typeface="urw-din"/>
+              </a:rPr>
+              <a:t>Static methods have access to class variables (static variables) without using the class’s object (instance).</a:t>
+            </a:r>
+          </a:p>
+          <a:p>
+            <a:pPr algn="l" fontAlgn="base">
+              <a:buFont typeface="Arial" panose="020B0604020202020204" pitchFamily="34" charset="0"/>
+              <a:buChar char="•"/>
+            </a:pPr>
+            <a:r>
+              <a:rPr lang="en" altLang="zh-CN" b="0" i="0" dirty="0">
+                <a:effectLst/>
+                <a:latin typeface="urw-din"/>
+              </a:rPr>
+              <a:t>Only static data may be accessed by a static method. It is unable to access data that is not static (instance variables).</a:t>
+            </a:r>
+          </a:p>
+          <a:p>
+            <a:pPr algn="l" fontAlgn="base">
+              <a:buFont typeface="Arial" panose="020B0604020202020204" pitchFamily="34" charset="0"/>
+              <a:buChar char="•"/>
+            </a:pPr>
+            <a:r>
+              <a:rPr lang="en" altLang="zh-CN" b="0" i="0" dirty="0">
+                <a:effectLst/>
+                <a:latin typeface="urw-din"/>
+              </a:rPr>
+              <a:t>In both static and non-static methods, static methods can be accessed directly.</a:t>
+            </a:r>
+          </a:p>
+          <a:p>
+            <a:endParaRPr lang="en" altLang="zh-CN" b="0" i="0" dirty="0">
+              <a:effectLst/>
+              <a:latin typeface="urw-din"/>
+            </a:endParaRPr>
           </a:p>
           <a:p>
             <a:endParaRPr kumimoji="1" lang="zh-CN" altLang="en-US" dirty="0"/>
@@ -4113,9 +4182,6 @@
           <a:p>
             <a:r>
               <a:rPr lang="en" altLang="zh-CN" b="0" i="0" dirty="0">
-                <a:solidFill>
-                  <a:srgbClr val="000000"/>
-                </a:solidFill>
                 <a:effectLst/>
                 <a:latin typeface="Nunito" pitchFamily="2" charset="0"/>
               </a:rPr>
@@ -4123,9 +4189,6 @@
             </a:r>
             <a:r>
               <a:rPr lang="en" altLang="zh-CN" b="1" i="0" dirty="0">
-                <a:solidFill>
-                  <a:srgbClr val="000000"/>
-                </a:solidFill>
                 <a:effectLst/>
                 <a:latin typeface="Nunito" pitchFamily="2" charset="0"/>
               </a:rPr>
@@ -4133,13 +4196,24 @@
             </a:r>
             <a:r>
               <a:rPr lang="en" altLang="zh-CN" b="0" i="0" dirty="0">
-                <a:solidFill>
-                  <a:srgbClr val="000000"/>
-                </a:solidFill>
                 <a:effectLst/>
                 <a:latin typeface="Nunito" pitchFamily="2" charset="0"/>
               </a:rPr>
               <a:t>method is always static, so that compiler can call it without the creation of an object or before the creation of an object of the class.</a:t>
+            </a:r>
+          </a:p>
+          <a:p>
+            <a:endParaRPr kumimoji="1" lang="en" altLang="zh-CN" dirty="0">
+              <a:latin typeface="Nunito" pitchFamily="2" charset="0"/>
+            </a:endParaRPr>
+          </a:p>
+          <a:p>
+            <a:r>
+              <a:rPr lang="en" altLang="zh-CN" b="0" i="0" dirty="0">
+                <a:effectLst/>
+                <a:latin typeface="Source Sans Pro" panose="020B0503030403020204" pitchFamily="34" charset="0"/>
+              </a:rPr>
+              <a:t>There is no object of the class existing when the Java runtime starts. This is why the main() method must be static for the JVM to load the class into memory and call the main function. If the main method is not static, JVM will be unable to call it since no object of the class is present.</a:t>
             </a:r>
             <a:endParaRPr kumimoji="1" lang="zh-CN" altLang="en-US" dirty="0"/>
           </a:p>
@@ -4236,6 +4310,43 @@
                 <a:latin typeface="urw-din"/>
               </a:rPr>
               <a:t>Java supports a special block, called a static block (also called static clause) that can be used for static initialization of a class. This code inside the static block is executed only once: the first time the class is loaded into memory. </a:t>
+            </a:r>
+          </a:p>
+          <a:p>
+            <a:endParaRPr kumimoji="1" lang="en" altLang="zh-CN" dirty="0">
+              <a:latin typeface="urw-din"/>
+            </a:endParaRPr>
+          </a:p>
+          <a:p>
+            <a:r>
+              <a:rPr lang="en" altLang="zh-CN" b="0" i="0" dirty="0">
+                <a:solidFill>
+                  <a:srgbClr val="222426"/>
+                </a:solidFill>
+                <a:effectLst/>
+                <a:latin typeface="Roboto" panose="02000000000000000000" pitchFamily="2" charset="0"/>
+              </a:rPr>
+              <a:t>Static block is used for initializing the static </a:t>
+            </a:r>
+            <a:r>
+              <a:rPr lang="en" altLang="zh-CN" b="0" i="0" dirty="0" err="1">
+                <a:solidFill>
+                  <a:srgbClr val="222426"/>
+                </a:solidFill>
+                <a:effectLst/>
+                <a:latin typeface="Roboto" panose="02000000000000000000" pitchFamily="2" charset="0"/>
+              </a:rPr>
+              <a:t>variables.This</a:t>
+            </a:r>
+            <a:r>
+              <a:rPr lang="en" altLang="zh-CN" b="0" i="0" dirty="0">
+                <a:solidFill>
+                  <a:srgbClr val="222426"/>
+                </a:solidFill>
+                <a:effectLst/>
+                <a:latin typeface="Roboto" panose="02000000000000000000" pitchFamily="2" charset="0"/>
+              </a:rPr>
+              <a:t> block gets executed when the class is loaded in the memory. A class can have multiple Static blocks, which will execute in the same sequence in which they have been written into the program.</a:t>
             </a:r>
             <a:endParaRPr kumimoji="1" lang="zh-CN" altLang="en-US" dirty="0"/>
           </a:p>
